--- a/Proposal Defense - Presentation Slide Format.pptx
+++ b/Proposal Defense - Presentation Slide Format.pptx
@@ -22396,7 +22396,7 @@
         <p:spPr>
           <a:xfrm>
             <a:off x="10902431" y="2042404"/>
-            <a:ext cx="1289567" cy="1354217"/>
+            <a:ext cx="1289567" cy="1351915"/>
           </a:xfrm>
           <a:prstGeom prst="rect">
             <a:avLst/>
@@ -22463,7 +22463,31 @@
                 <a:cs typeface="Trebuchet MS" panose="020B0603020202020204"/>
                 <a:sym typeface="Trebuchet MS" panose="020B0603020202020204"/>
               </a:rPr>
-              <a:t>BSIT 3C     </a:t>
+              <a:t>BSIT 3</a:t>
+            </a:r>
+            <a:r>
+              <a:rPr lang="en-PH" altLang="en-US" sz="1200" b="0" i="0" u="sng" strike="noStrike" cap="none">
+                <a:solidFill>
+                  <a:schemeClr val="lt1"/>
+                </a:solidFill>
+                <a:latin typeface="Trebuchet MS" panose="020B0603020202020204"/>
+                <a:ea typeface="Trebuchet MS" panose="020B0603020202020204"/>
+                <a:cs typeface="Trebuchet MS" panose="020B0603020202020204"/>
+                <a:sym typeface="Trebuchet MS" panose="020B0603020202020204"/>
+              </a:rPr>
+              <a:t>I</a:t>
+            </a:r>
+            <a:r>
+              <a:rPr lang="en-US" sz="1200" b="0" i="0" u="sng" strike="noStrike" cap="none">
+                <a:solidFill>
+                  <a:schemeClr val="lt1"/>
+                </a:solidFill>
+                <a:latin typeface="Trebuchet MS" panose="020B0603020202020204"/>
+                <a:ea typeface="Trebuchet MS" panose="020B0603020202020204"/>
+                <a:cs typeface="Trebuchet MS" panose="020B0603020202020204"/>
+                <a:sym typeface="Trebuchet MS" panose="020B0603020202020204"/>
+              </a:rPr>
+              <a:t>     </a:t>
             </a:r>
             <a:endParaRPr lang="en-US" sz="1200" b="0" i="0" u="sng" strike="noStrike" cap="none">
               <a:solidFill>
@@ -34283,8 +34307,8 @@
         </p:nvSpPr>
         <p:spPr>
           <a:xfrm>
-            <a:off x="680321" y="2336873"/>
-            <a:ext cx="9613861" cy="3599316"/>
+            <a:off x="680085" y="2336800"/>
+            <a:ext cx="9613900" cy="4308475"/>
           </a:xfrm>
           <a:prstGeom prst="rect">
             <a:avLst/>
@@ -34296,11 +34320,11 @@
         </p:spPr>
         <p:txBody>
           <a:bodyPr spcFirstLastPara="1" wrap="square" lIns="91425" tIns="45700" rIns="91425" bIns="45700" anchor="t" anchorCtr="0">
-            <a:normAutofit/>
+            <a:normAutofit lnSpcReduction="10000"/>
           </a:bodyPr>
           <a:lstStyle/>
           <a:p>
-            <a:pPr marL="228600" lvl="0" indent="-76200" algn="l" rtl="0">
+            <a:pPr marL="152400" lvl="0" indent="0" algn="l" rtl="0">
               <a:lnSpc>
                 <a:spcPct val="90000"/>
               </a:lnSpc>
@@ -34316,7 +34340,244 @@
               <a:buSzPts val="2400"/>
               <a:buNone/>
             </a:pPr>
+            <a:r>
+              <a:rPr>
+                <a:solidFill>
+                  <a:schemeClr val="bg1"/>
+                </a:solidFill>
+              </a:rPr>
+              <a:t>Current Challenges</a:t>
+            </a:r>
+            <a:r>
+              <a:rPr lang="en-PH">
+                <a:solidFill>
+                  <a:schemeClr val="bg1"/>
+                </a:solidFill>
+              </a:rPr>
+              <a:t>:</a:t>
+            </a:r>
+            <a:br>
+              <a:rPr>
+                <a:solidFill>
+                  <a:schemeClr val="dk1"/>
+                </a:solidFill>
+              </a:rPr>
+            </a:br>
+            <a:r>
+              <a:rPr>
+                <a:solidFill>
+                  <a:schemeClr val="dk1"/>
+                </a:solidFill>
+              </a:rPr>
+              <a:t>Traditional blood banking systems face challenges such as</a:t>
+            </a:r>
+            <a:r>
+              <a:rPr lang="en-PH">
+                <a:solidFill>
+                  <a:schemeClr val="dk1"/>
+                </a:solidFill>
+              </a:rPr>
+              <a:t>:</a:t>
+            </a:r>
+            <a:r>
+              <a:rPr>
+                <a:solidFill>
+                  <a:schemeClr val="dk1"/>
+                </a:solidFill>
+              </a:rPr>
+              <a:t> </a:t>
+            </a:r>
+            <a:r>
+              <a:rPr lang="en-PH">
+                <a:solidFill>
+                  <a:schemeClr val="dk1"/>
+                </a:solidFill>
+              </a:rPr>
+              <a:t>I</a:t>
+            </a:r>
+            <a:r>
+              <a:rPr>
+                <a:solidFill>
+                  <a:schemeClr val="dk1"/>
+                </a:solidFill>
+              </a:rPr>
+              <a:t>nefficient donor-recipient matching</a:t>
+            </a:r>
             <a:endParaRPr>
+              <a:solidFill>
+                <a:schemeClr val="dk1"/>
+              </a:solidFill>
+            </a:endParaRPr>
+          </a:p>
+          <a:p>
+            <a:pPr marL="495300" lvl="0" algn="l" rtl="0">
+              <a:lnSpc>
+                <a:spcPct val="150000"/>
+              </a:lnSpc>
+              <a:spcBef>
+                <a:spcPts val="0"/>
+              </a:spcBef>
+              <a:spcAft>
+                <a:spcPts val="0"/>
+              </a:spcAft>
+              <a:buClr>
+                <a:schemeClr val="lt1"/>
+              </a:buClr>
+              <a:buSzPts val="2400"/>
+            </a:pPr>
+            <a:r>
+              <a:rPr>
+                <a:solidFill>
+                  <a:schemeClr val="dk1"/>
+                </a:solidFill>
+              </a:rPr>
+              <a:t> </a:t>
+            </a:r>
+            <a:r>
+              <a:rPr lang="en-PH">
+                <a:solidFill>
+                  <a:schemeClr val="dk1"/>
+                </a:solidFill>
+              </a:rPr>
+              <a:t>L</a:t>
+            </a:r>
+            <a:r>
+              <a:rPr>
+                <a:solidFill>
+                  <a:schemeClr val="dk1"/>
+                </a:solidFill>
+              </a:rPr>
+              <a:t>imited accessibility to donation centers</a:t>
+            </a:r>
+            <a:endParaRPr>
+              <a:solidFill>
+                <a:schemeClr val="dk1"/>
+              </a:solidFill>
+            </a:endParaRPr>
+          </a:p>
+          <a:p>
+            <a:pPr marL="495300" lvl="0" algn="l" rtl="0">
+              <a:lnSpc>
+                <a:spcPct val="150000"/>
+              </a:lnSpc>
+              <a:spcBef>
+                <a:spcPts val="0"/>
+              </a:spcBef>
+              <a:spcAft>
+                <a:spcPts val="0"/>
+              </a:spcAft>
+              <a:buClr>
+                <a:schemeClr val="lt1"/>
+              </a:buClr>
+              <a:buSzPts val="2400"/>
+            </a:pPr>
+            <a:r>
+              <a:rPr>
+                <a:solidFill>
+                  <a:schemeClr val="dk1"/>
+                </a:solidFill>
+              </a:rPr>
+              <a:t> </a:t>
+            </a:r>
+            <a:r>
+              <a:rPr lang="en-PH">
+                <a:solidFill>
+                  <a:schemeClr val="dk1"/>
+                </a:solidFill>
+              </a:rPr>
+              <a:t>Lock of Information on Donation</a:t>
+            </a:r>
+            <a:endParaRPr lang="en-PH">
+              <a:solidFill>
+                <a:schemeClr val="dk1"/>
+              </a:solidFill>
+            </a:endParaRPr>
+          </a:p>
+          <a:p>
+            <a:pPr marL="495300" lvl="0" algn="l" rtl="0">
+              <a:lnSpc>
+                <a:spcPct val="150000"/>
+              </a:lnSpc>
+              <a:spcBef>
+                <a:spcPts val="0"/>
+              </a:spcBef>
+              <a:spcAft>
+                <a:spcPts val="0"/>
+              </a:spcAft>
+              <a:buClr>
+                <a:schemeClr val="lt1"/>
+              </a:buClr>
+              <a:buSzPts val="2400"/>
+            </a:pPr>
+            <a:r>
+              <a:rPr lang="en-PH">
+                <a:solidFill>
+                  <a:schemeClr val="dk1"/>
+                </a:solidFill>
+              </a:rPr>
+              <a:t> Inconvenience on blood donation Inquiries</a:t>
+            </a:r>
+            <a:endParaRPr lang="en-PH">
+              <a:solidFill>
+                <a:schemeClr val="dk1"/>
+              </a:solidFill>
+            </a:endParaRPr>
+          </a:p>
+          <a:p>
+            <a:pPr marL="495300" lvl="0" algn="l" rtl="0">
+              <a:lnSpc>
+                <a:spcPct val="150000"/>
+              </a:lnSpc>
+              <a:spcBef>
+                <a:spcPts val="0"/>
+              </a:spcBef>
+              <a:spcAft>
+                <a:spcPts val="0"/>
+              </a:spcAft>
+              <a:buClr>
+                <a:schemeClr val="lt1"/>
+              </a:buClr>
+              <a:buSzPts val="2400"/>
+            </a:pPr>
+            <a:r>
+              <a:rPr lang="en-PH">
+                <a:solidFill>
+                  <a:schemeClr val="dk1"/>
+                </a:solidFill>
+              </a:rPr>
+              <a:t> inefficient donor-recipient matching</a:t>
+            </a:r>
+            <a:endParaRPr lang="en-PH">
+              <a:solidFill>
+                <a:schemeClr val="dk1"/>
+              </a:solidFill>
+            </a:endParaRPr>
+          </a:p>
+          <a:p>
+            <a:pPr marL="495300" lvl="0" algn="l" rtl="0">
+              <a:lnSpc>
+                <a:spcPct val="150000"/>
+              </a:lnSpc>
+              <a:spcBef>
+                <a:spcPts val="0"/>
+              </a:spcBef>
+              <a:spcAft>
+                <a:spcPts val="0"/>
+              </a:spcAft>
+              <a:buClr>
+                <a:schemeClr val="lt1"/>
+              </a:buClr>
+              <a:buSzPts val="2400"/>
+            </a:pPr>
+            <a:r>
+              <a:rPr lang="en-PH">
+                <a:solidFill>
+                  <a:schemeClr val="dk1"/>
+                </a:solidFill>
+              </a:rPr>
+              <a:t>Appointment Scheduling</a:t>
+            </a:r>
+            <a:endParaRPr lang="en-PH">
               <a:solidFill>
                 <a:schemeClr val="dk1"/>
               </a:solidFill>
@@ -34616,57 +34877,6 @@
       </p:sp>
       <p:sp>
         <p:nvSpPr>
-          <p:cNvPr id="431" name="Google Shape;431;p35"/>
-          <p:cNvSpPr txBox="1"/>
-          <p:nvPr>
-            <p:ph type="body" idx="1"/>
-          </p:nvPr>
-        </p:nvSpPr>
-        <p:spPr>
-          <a:xfrm>
-            <a:off x="460186" y="2192936"/>
-            <a:ext cx="5667237" cy="567194"/>
-          </a:xfrm>
-          <a:prstGeom prst="rect">
-            <a:avLst/>
-          </a:prstGeom>
-          <a:noFill/>
-          <a:ln>
-            <a:noFill/>
-          </a:ln>
-        </p:spPr>
-        <p:txBody>
-          <a:bodyPr spcFirstLastPara="1" wrap="square" lIns="91425" tIns="45700" rIns="91425" bIns="45700" anchor="t" anchorCtr="0">
-            <a:normAutofit/>
-          </a:bodyPr>
-          <a:lstStyle/>
-          <a:p>
-            <a:pPr marL="0" lvl="0" indent="0" algn="l" rtl="0">
-              <a:lnSpc>
-                <a:spcPct val="90000"/>
-              </a:lnSpc>
-              <a:spcBef>
-                <a:spcPts val="0"/>
-              </a:spcBef>
-              <a:spcAft>
-                <a:spcPts val="0"/>
-              </a:spcAft>
-              <a:buClr>
-                <a:schemeClr val="lt1"/>
-              </a:buClr>
-              <a:buSzPts val="2400"/>
-              <a:buNone/>
-            </a:pPr>
-            <a:r>
-              <a:rPr lang="en-US" b="1"/>
-              <a:t>Show the System Design </a:t>
-            </a:r>
-            <a:endParaRPr lang="en-US" b="1"/>
-          </a:p>
-        </p:txBody>
-      </p:sp>
-      <p:sp>
-        <p:nvSpPr>
           <p:cNvPr id="432" name="Google Shape;432;p35"/>
           <p:cNvSpPr txBox="1"/>
           <p:nvPr/>
@@ -34876,6 +35086,30 @@
           <a:ln>
             <a:noFill/>
           </a:ln>
+        </p:spPr>
+      </p:pic>
+      <p:pic>
+        <p:nvPicPr>
+          <p:cNvPr id="4" name="Picture 3" descr="sample design"/>
+          <p:cNvPicPr>
+            <a:picLocks noChangeAspect="1"/>
+          </p:cNvPicPr>
+          <p:nvPr/>
+        </p:nvPicPr>
+        <p:blipFill>
+          <a:blip r:embed="rId3"/>
+          <a:stretch>
+            <a:fillRect/>
+          </a:stretch>
+        </p:blipFill>
+        <p:spPr>
+          <a:xfrm>
+            <a:off x="52070" y="2319020"/>
+            <a:ext cx="12068175" cy="4090670"/>
+          </a:xfrm>
+          <a:prstGeom prst="rect">
+            <a:avLst/>
+          </a:prstGeom>
         </p:spPr>
       </p:pic>
     </p:spTree>
@@ -35306,8 +35540,8 @@
         </p:nvSpPr>
         <p:spPr>
           <a:xfrm>
-            <a:off x="680321" y="2336873"/>
-            <a:ext cx="9613861" cy="3599316"/>
+            <a:off x="680085" y="2336800"/>
+            <a:ext cx="9613900" cy="1971040"/>
           </a:xfrm>
           <a:prstGeom prst="rect">
             <a:avLst/>
@@ -35319,11 +35553,11 @@
         </p:spPr>
         <p:txBody>
           <a:bodyPr spcFirstLastPara="1" wrap="square" lIns="91425" tIns="45700" rIns="91425" bIns="45700" anchor="t" anchorCtr="0">
-            <a:normAutofit/>
+            <a:normAutofit lnSpcReduction="10000"/>
           </a:bodyPr>
           <a:lstStyle/>
           <a:p>
-            <a:pPr marL="228600" lvl="0" indent="-76200" algn="l" rtl="0">
+            <a:pPr marL="152400" lvl="0" indent="0" algn="l" rtl="0">
               <a:lnSpc>
                 <a:spcPct val="90000"/>
               </a:lnSpc>
@@ -35339,6 +35573,119 @@
               <a:buSzPts val="2400"/>
               <a:buNone/>
             </a:pPr>
+            <a:r>
+              <a:rPr>
+                <a:solidFill>
+                  <a:schemeClr val="bg1"/>
+                </a:solidFill>
+              </a:rPr>
+              <a:t>Purpose of the Study</a:t>
+            </a:r>
+            <a:endParaRPr>
+              <a:solidFill>
+                <a:schemeClr val="bg1"/>
+              </a:solidFill>
+            </a:endParaRPr>
+          </a:p>
+          <a:p>
+            <a:pPr marL="152400" lvl="0" indent="0" algn="l" rtl="0">
+              <a:lnSpc>
+                <a:spcPct val="90000"/>
+              </a:lnSpc>
+              <a:spcBef>
+                <a:spcPts val="0"/>
+              </a:spcBef>
+              <a:spcAft>
+                <a:spcPts val="0"/>
+              </a:spcAft>
+              <a:buClr>
+                <a:schemeClr val="lt1"/>
+              </a:buClr>
+              <a:buSzPts val="2400"/>
+              <a:buNone/>
+            </a:pPr>
+            <a:endParaRPr>
+              <a:solidFill>
+                <a:schemeClr val="bg1"/>
+              </a:solidFill>
+            </a:endParaRPr>
+          </a:p>
+          <a:p>
+            <a:pPr marL="495300" lvl="0" algn="l" rtl="0">
+              <a:lnSpc>
+                <a:spcPct val="90000"/>
+              </a:lnSpc>
+              <a:spcBef>
+                <a:spcPts val="0"/>
+              </a:spcBef>
+              <a:spcAft>
+                <a:spcPts val="0"/>
+              </a:spcAft>
+              <a:buClr>
+                <a:schemeClr val="lt1"/>
+              </a:buClr>
+              <a:buSzPts val="2400"/>
+            </a:pPr>
+            <a:r>
+              <a:rPr>
+                <a:solidFill>
+                  <a:schemeClr val="dk1"/>
+                </a:solidFill>
+              </a:rPr>
+              <a:t>To tackle the current inefficiencies in traditional blood banking, such as manual donor-recipient matching</a:t>
+            </a:r>
+            <a:endParaRPr>
+              <a:solidFill>
+                <a:schemeClr val="dk1"/>
+              </a:solidFill>
+            </a:endParaRPr>
+          </a:p>
+          <a:p>
+            <a:pPr marL="495300" lvl="0" algn="l" rtl="0">
+              <a:lnSpc>
+                <a:spcPct val="90000"/>
+              </a:lnSpc>
+              <a:spcBef>
+                <a:spcPts val="0"/>
+              </a:spcBef>
+              <a:spcAft>
+                <a:spcPts val="0"/>
+              </a:spcAft>
+              <a:buClr>
+                <a:schemeClr val="lt1"/>
+              </a:buClr>
+              <a:buSzPts val="2400"/>
+            </a:pPr>
+            <a:endParaRPr>
+              <a:solidFill>
+                <a:schemeClr val="dk1"/>
+              </a:solidFill>
+            </a:endParaRPr>
+          </a:p>
+          <a:p>
+            <a:pPr marL="495300" lvl="0" algn="l" rtl="0">
+              <a:lnSpc>
+                <a:spcPct val="90000"/>
+              </a:lnSpc>
+              <a:spcBef>
+                <a:spcPts val="0"/>
+              </a:spcBef>
+              <a:spcAft>
+                <a:spcPts val="0"/>
+              </a:spcAft>
+              <a:buClr>
+                <a:schemeClr val="lt1"/>
+              </a:buClr>
+              <a:buSzPts val="2400"/>
+            </a:pPr>
+            <a:r>
+              <a:rPr>
+                <a:solidFill>
+                  <a:schemeClr val="dk1"/>
+                </a:solidFill>
+              </a:rPr>
+              <a:t>lack of timely information</a:t>
+            </a:r>
             <a:endParaRPr>
               <a:solidFill>
                 <a:schemeClr val="dk1"/>
